--- a/course/compiler/LectureNotes/(Spring2017)Lecture7.pptx
+++ b/course/compiler/LectureNotes/(Spring2017)Lecture7.pptx
@@ -5,10 +5,10 @@
     <p:sldMasterId id="2147483648" r:id="rId4"/>
   </p:sldMasterIdLst>
   <p:notesMasterIdLst>
-    <p:notesMasterId r:id="rId21"/>
+    <p:notesMasterId r:id="rId26"/>
   </p:notesMasterIdLst>
   <p:handoutMasterIdLst>
-    <p:handoutMasterId r:id="rId22"/>
+    <p:handoutMasterId r:id="rId27"/>
   </p:handoutMasterIdLst>
   <p:sldIdLst>
     <p:sldId id="256" r:id="rId5"/>
@@ -27,6 +27,11 @@
     <p:sldId id="289" r:id="rId18"/>
     <p:sldId id="290" r:id="rId19"/>
     <p:sldId id="291" r:id="rId20"/>
+    <p:sldId id="292" r:id="rId21"/>
+    <p:sldId id="293" r:id="rId22"/>
+    <p:sldId id="294" r:id="rId23"/>
+    <p:sldId id="295" r:id="rId24"/>
+    <p:sldId id="296" r:id="rId25"/>
   </p:sldIdLst>
   <p:sldSz cx="9144000" cy="6858000" type="screen4x3"/>
   <p:notesSz cx="6858000" cy="9144000"/>
@@ -242,7 +247,7 @@
                 <a:ea typeface="微软雅黑" panose="020B0503020204020204" pitchFamily="34" charset="-122"/>
               </a:rPr>
               <a:pPr algn="r" rtl="0"/>
-              <a:t>2017/6/2</a:t>
+              <a:t>2017/6/3</a:t>
             </a:fld>
             <a:endParaRPr lang="zh-CN" altLang="en-US" dirty="0">
               <a:latin typeface="微软雅黑" panose="020B0503020204020204" pitchFamily="34" charset="-122"/>
@@ -429,7 +434,7 @@
             <a:fld id="{229B22C3-6CB1-491B-AD00-E0837F23A3F3}" type="datetime1">
               <a:rPr lang="zh-CN" altLang="en-US" smtClean="0"/>
               <a:pPr/>
-              <a:t>2017/6/2</a:t>
+              <a:t>2017/6/3</a:t>
             </a:fld>
             <a:endParaRPr lang="zh-CN" altLang="en-US" dirty="0"/>
           </a:p>
@@ -1025,7 +1030,7 @@
             <a:fld id="{A7392AAC-879E-4B39-8824-AF6B730A809E}" type="datetime1">
               <a:rPr lang="zh-CN" altLang="en-US" smtClean="0"/>
               <a:pPr/>
-              <a:t>2017/6/2</a:t>
+              <a:t>2017/6/3</a:t>
             </a:fld>
             <a:endParaRPr lang="zh-CN" altLang="en-US" dirty="0"/>
           </a:p>
@@ -1366,7 +1371,7 @@
             <a:fld id="{7118C275-B304-48F5-8C4F-015CBCF4E7C1}" type="datetime1">
               <a:rPr lang="zh-CN" altLang="en-US" smtClean="0"/>
               <a:pPr/>
-              <a:t>2017/6/2</a:t>
+              <a:t>2017/6/3</a:t>
             </a:fld>
             <a:r>
               <a:rPr lang="zh-CN" altLang="en-US" dirty="0"/>
@@ -1572,7 +1577,7 @@
             <a:fld id="{98791AA9-DDCB-4BA8-AD1D-963A3AA00622}" type="datetime1">
               <a:rPr lang="zh-CN" altLang="en-US" smtClean="0"/>
               <a:pPr/>
-              <a:t>2017/6/2</a:t>
+              <a:t>2017/6/3</a:t>
             </a:fld>
             <a:endParaRPr lang="zh-CN" altLang="en-US" dirty="0"/>
           </a:p>
@@ -1776,7 +1781,7 @@
             <a:fld id="{9170426F-E661-472B-BE42-25E072CD46D9}" type="datetime1">
               <a:rPr lang="zh-CN" altLang="en-US" smtClean="0"/>
               <a:pPr/>
-              <a:t>2017/6/2</a:t>
+              <a:t>2017/6/3</a:t>
             </a:fld>
             <a:endParaRPr lang="zh-CN" altLang="en-US" dirty="0"/>
           </a:p>
@@ -2098,7 +2103,7 @@
             <a:fld id="{9BA78444-6099-4C0A-A3A9-C6F3C5D7F289}" type="datetime1">
               <a:rPr lang="zh-CN" altLang="en-US" smtClean="0"/>
               <a:pPr/>
-              <a:t>2017/6/2</a:t>
+              <a:t>2017/6/3</a:t>
             </a:fld>
             <a:endParaRPr lang="zh-CN" altLang="en-US" dirty="0"/>
           </a:p>
@@ -3210,7 +3215,7 @@
             <a:fld id="{AF5F6A19-70BF-4380-9A40-68C9536408C6}" type="datetime1">
               <a:rPr lang="zh-CN" altLang="en-US" smtClean="0"/>
               <a:pPr/>
-              <a:t>2017/6/2</a:t>
+              <a:t>2017/6/3</a:t>
             </a:fld>
             <a:endParaRPr lang="zh-CN" altLang="en-US" dirty="0"/>
           </a:p>
@@ -3609,7 +3614,7 @@
             <a:fld id="{6017EB90-196C-4C15-BD31-13E0E0436C73}" type="datetime1">
               <a:rPr lang="zh-CN" altLang="en-US" smtClean="0"/>
               <a:pPr/>
-              <a:t>2017/6/2</a:t>
+              <a:t>2017/6/3</a:t>
             </a:fld>
             <a:r>
               <a:rPr lang="zh-CN" altLang="en-US" dirty="0"/>
@@ -4091,7 +4096,7 @@
             <a:fld id="{C2EC0F41-B48F-4298-A7F6-618EB9D22195}" type="datetime1">
               <a:rPr lang="zh-CN" altLang="en-US" smtClean="0"/>
               <a:pPr/>
-              <a:t>2017/6/2</a:t>
+              <a:t>2017/6/3</a:t>
             </a:fld>
             <a:endParaRPr lang="zh-CN" altLang="en-US" dirty="0"/>
           </a:p>
@@ -4242,7 +4247,7 @@
             <a:fld id="{7DB2D836-56E8-4B15-857C-14B1A5B3B67B}" type="datetime1">
               <a:rPr lang="zh-CN" altLang="en-US" smtClean="0"/>
               <a:pPr/>
-              <a:t>2017/6/2</a:t>
+              <a:t>2017/6/3</a:t>
             </a:fld>
             <a:endParaRPr lang="zh-CN" altLang="en-US" dirty="0"/>
           </a:p>
@@ -4360,7 +4365,7 @@
             <a:fld id="{038D929F-7D8C-4CC3-8AC7-BB9B8FE2DEBF}" type="datetime1">
               <a:rPr lang="zh-CN" altLang="en-US" smtClean="0"/>
               <a:pPr/>
-              <a:t>2017/6/2</a:t>
+              <a:t>2017/6/3</a:t>
             </a:fld>
             <a:endParaRPr lang="zh-CN" altLang="en-US" dirty="0"/>
           </a:p>
@@ -4663,7 +4668,7 @@
             <a:fld id="{F7892ACC-8BC8-4C9E-9D2B-0669DA5038B6}" type="datetime1">
               <a:rPr lang="zh-CN" altLang="en-US" smtClean="0"/>
               <a:pPr/>
-              <a:t>2017/6/2</a:t>
+              <a:t>2017/6/3</a:t>
             </a:fld>
             <a:endParaRPr lang="zh-CN" altLang="en-US" dirty="0"/>
           </a:p>
@@ -4929,7 +4934,7 @@
             <a:fld id="{660B6A15-7713-4A08-BBFD-F297CCC2B976}" type="datetime1">
               <a:rPr lang="zh-CN" altLang="en-US" smtClean="0"/>
               <a:pPr/>
-              <a:t>2017/6/2</a:t>
+              <a:t>2017/6/3</a:t>
             </a:fld>
             <a:r>
               <a:rPr lang="zh-CN" altLang="en-US" dirty="0"/>
@@ -7018,6 +7023,613 @@
 </p:sld>
 </file>
 
+<file path=ppt/slides/slide17.xml><?xml version="1.0" encoding="utf-8"?>
+<p:sld xmlns:a="http://schemas.openxmlformats.org/drawingml/2006/main" xmlns:r="http://schemas.openxmlformats.org/officeDocument/2006/relationships" xmlns:p="http://schemas.openxmlformats.org/presentationml/2006/main">
+  <p:cSld>
+    <p:spTree>
+      <p:nvGrpSpPr>
+        <p:cNvPr id="1" name=""/>
+        <p:cNvGrpSpPr/>
+        <p:nvPr/>
+      </p:nvGrpSpPr>
+      <p:grpSpPr>
+        <a:xfrm>
+          <a:off x="0" y="0"/>
+          <a:ext cx="0" cy="0"/>
+          <a:chOff x="0" y="0"/>
+          <a:chExt cx="0" cy="0"/>
+        </a:xfrm>
+      </p:grpSpPr>
+      <p:sp>
+        <p:nvSpPr>
+          <p:cNvPr id="2" name="标题 1"/>
+          <p:cNvSpPr>
+            <a:spLocks noGrp="1"/>
+          </p:cNvSpPr>
+          <p:nvPr>
+            <p:ph type="title"/>
+          </p:nvPr>
+        </p:nvSpPr>
+        <p:spPr/>
+        <p:txBody>
+          <a:bodyPr/>
+          <a:lstStyle/>
+          <a:p>
+            <a:r>
+              <a:rPr lang="en-US" altLang="zh-CN" dirty="0"/>
+              <a:t>7.3 Types and </a:t>
+            </a:r>
+            <a:r>
+              <a:rPr lang="en-US" altLang="zh-CN" dirty="0" smtClean="0"/>
+              <a:t>Declarations-Declaration</a:t>
+            </a:r>
+            <a:endParaRPr lang="zh-CN" altLang="en-US" dirty="0"/>
+          </a:p>
+        </p:txBody>
+      </p:sp>
+      <p:pic>
+        <p:nvPicPr>
+          <p:cNvPr id="4" name="图片 3"/>
+          <p:cNvPicPr>
+            <a:picLocks noChangeAspect="1"/>
+          </p:cNvPicPr>
+          <p:nvPr/>
+        </p:nvPicPr>
+        <p:blipFill>
+          <a:blip r:embed="rId2"/>
+          <a:stretch>
+            <a:fillRect/>
+          </a:stretch>
+        </p:blipFill>
+        <p:spPr>
+          <a:xfrm>
+            <a:off x="1875324" y="1779199"/>
+            <a:ext cx="4152381" cy="1057143"/>
+          </a:xfrm>
+          <a:prstGeom prst="rect">
+            <a:avLst/>
+          </a:prstGeom>
+        </p:spPr>
+      </p:pic>
+      <p:pic>
+        <p:nvPicPr>
+          <p:cNvPr id="5" name="图片 4"/>
+          <p:cNvPicPr>
+            <a:picLocks noChangeAspect="1"/>
+          </p:cNvPicPr>
+          <p:nvPr/>
+        </p:nvPicPr>
+        <p:blipFill>
+          <a:blip r:embed="rId3"/>
+          <a:stretch>
+            <a:fillRect/>
+          </a:stretch>
+        </p:blipFill>
+        <p:spPr>
+          <a:xfrm>
+            <a:off x="431068" y="3037895"/>
+            <a:ext cx="7799818" cy="1958647"/>
+          </a:xfrm>
+          <a:prstGeom prst="rect">
+            <a:avLst/>
+          </a:prstGeom>
+        </p:spPr>
+      </p:pic>
+    </p:spTree>
+    <p:extLst>
+      <p:ext uri="{BB962C8B-B14F-4D97-AF65-F5344CB8AC3E}">
+        <p14:creationId xmlns:p14="http://schemas.microsoft.com/office/powerpoint/2010/main" val="3009769170"/>
+      </p:ext>
+    </p:extLst>
+  </p:cSld>
+  <p:clrMapOvr>
+    <a:masterClrMapping/>
+  </p:clrMapOvr>
+  <mc:AlternateContent xmlns:mc="http://schemas.openxmlformats.org/markup-compatibility/2006" xmlns:p14="http://schemas.microsoft.com/office/powerpoint/2010/main">
+    <mc:Choice Requires="p14">
+      <p:transition spd="med" p14:dur="700">
+        <p:fade/>
+      </p:transition>
+    </mc:Choice>
+    <mc:Fallback xmlns="">
+      <p:transition spd="med">
+        <p:fade/>
+      </p:transition>
+    </mc:Fallback>
+  </mc:AlternateContent>
+  <p:timing>
+    <p:tnLst>
+      <p:par>
+        <p:cTn id="1" dur="indefinite" restart="never" nodeType="tmRoot"/>
+      </p:par>
+    </p:tnLst>
+  </p:timing>
+</p:sld>
+</file>
+
+<file path=ppt/slides/slide18.xml><?xml version="1.0" encoding="utf-8"?>
+<p:sld xmlns:a="http://schemas.openxmlformats.org/drawingml/2006/main" xmlns:r="http://schemas.openxmlformats.org/officeDocument/2006/relationships" xmlns:p="http://schemas.openxmlformats.org/presentationml/2006/main">
+  <p:cSld>
+    <p:spTree>
+      <p:nvGrpSpPr>
+        <p:cNvPr id="1" name=""/>
+        <p:cNvGrpSpPr/>
+        <p:nvPr/>
+      </p:nvGrpSpPr>
+      <p:grpSpPr>
+        <a:xfrm>
+          <a:off x="0" y="0"/>
+          <a:ext cx="0" cy="0"/>
+          <a:chOff x="0" y="0"/>
+          <a:chExt cx="0" cy="0"/>
+        </a:xfrm>
+      </p:grpSpPr>
+      <p:sp>
+        <p:nvSpPr>
+          <p:cNvPr id="2" name="标题 1"/>
+          <p:cNvSpPr>
+            <a:spLocks noGrp="1"/>
+          </p:cNvSpPr>
+          <p:nvPr>
+            <p:ph type="title"/>
+          </p:nvPr>
+        </p:nvSpPr>
+        <p:spPr/>
+        <p:txBody>
+          <a:bodyPr/>
+          <a:lstStyle/>
+          <a:p>
+            <a:r>
+              <a:rPr lang="en-US" altLang="zh-CN" dirty="0"/>
+              <a:t>7.3 Types and Declarations-Storage Layout </a:t>
+            </a:r>
+            <a:r>
+              <a:rPr lang="en-US" altLang="zh-CN" dirty="0" smtClean="0"/>
+              <a:t>for </a:t>
+            </a:r>
+            <a:r>
+              <a:rPr lang="en-US" altLang="zh-CN" dirty="0"/>
+              <a:t>Local </a:t>
+            </a:r>
+            <a:r>
+              <a:rPr lang="en-US" altLang="zh-CN" dirty="0" smtClean="0"/>
+              <a:t>Names</a:t>
+            </a:r>
+            <a:endParaRPr lang="zh-CN" altLang="en-US" dirty="0"/>
+          </a:p>
+        </p:txBody>
+      </p:sp>
+      <p:sp>
+        <p:nvSpPr>
+          <p:cNvPr id="3" name="内容占位符 2"/>
+          <p:cNvSpPr>
+            <a:spLocks noGrp="1"/>
+          </p:cNvSpPr>
+          <p:nvPr>
+            <p:ph idx="1"/>
+          </p:nvPr>
+        </p:nvSpPr>
+        <p:spPr>
+          <a:xfrm>
+            <a:off x="828675" y="1273627"/>
+            <a:ext cx="7486650" cy="4572000"/>
+          </a:xfrm>
+        </p:spPr>
+        <p:txBody>
+          <a:bodyPr/>
+          <a:lstStyle/>
+          <a:p>
+            <a:pPr>
+              <a:lnSpc>
+                <a:spcPct val="100000"/>
+              </a:lnSpc>
+            </a:pPr>
+            <a:r>
+              <a:rPr lang="en-US" altLang="zh-CN" dirty="0"/>
+              <a:t>From the type of a name, we can determine the amount of storage that will </a:t>
+            </a:r>
+            <a:r>
+              <a:rPr lang="en-US" altLang="zh-CN" dirty="0" smtClean="0"/>
+              <a:t>be needed </a:t>
+            </a:r>
+            <a:r>
+              <a:rPr lang="en-US" altLang="zh-CN" dirty="0"/>
+              <a:t>for the name at run time. </a:t>
+            </a:r>
+            <a:endParaRPr lang="en-US" altLang="zh-CN" dirty="0" smtClean="0"/>
+          </a:p>
+          <a:p>
+            <a:pPr>
+              <a:lnSpc>
+                <a:spcPct val="100000"/>
+              </a:lnSpc>
+            </a:pPr>
+            <a:endParaRPr lang="zh-CN" altLang="en-US" dirty="0"/>
+          </a:p>
+        </p:txBody>
+      </p:sp>
+      <p:pic>
+        <p:nvPicPr>
+          <p:cNvPr id="4" name="图片 3"/>
+          <p:cNvPicPr>
+            <a:picLocks noChangeAspect="1"/>
+          </p:cNvPicPr>
+          <p:nvPr/>
+        </p:nvPicPr>
+        <p:blipFill>
+          <a:blip r:embed="rId2"/>
+          <a:stretch>
+            <a:fillRect/>
+          </a:stretch>
+        </p:blipFill>
+        <p:spPr>
+          <a:xfrm>
+            <a:off x="1057275" y="1783216"/>
+            <a:ext cx="6390476" cy="904762"/>
+          </a:xfrm>
+          <a:prstGeom prst="rect">
+            <a:avLst/>
+          </a:prstGeom>
+        </p:spPr>
+      </p:pic>
+      <p:pic>
+        <p:nvPicPr>
+          <p:cNvPr id="5" name="图片 4"/>
+          <p:cNvPicPr>
+            <a:picLocks noChangeAspect="1"/>
+          </p:cNvPicPr>
+          <p:nvPr/>
+        </p:nvPicPr>
+        <p:blipFill>
+          <a:blip r:embed="rId3"/>
+          <a:stretch>
+            <a:fillRect/>
+          </a:stretch>
+        </p:blipFill>
+        <p:spPr>
+          <a:xfrm>
+            <a:off x="1620834" y="2684260"/>
+            <a:ext cx="4472668" cy="1994236"/>
+          </a:xfrm>
+          <a:prstGeom prst="rect">
+            <a:avLst/>
+          </a:prstGeom>
+        </p:spPr>
+      </p:pic>
+      <p:pic>
+        <p:nvPicPr>
+          <p:cNvPr id="6" name="图片 5"/>
+          <p:cNvPicPr>
+            <a:picLocks noChangeAspect="1"/>
+          </p:cNvPicPr>
+          <p:nvPr/>
+        </p:nvPicPr>
+        <p:blipFill>
+          <a:blip r:embed="rId4"/>
+          <a:stretch>
+            <a:fillRect/>
+          </a:stretch>
+        </p:blipFill>
+        <p:spPr>
+          <a:xfrm>
+            <a:off x="1598494" y="4678496"/>
+            <a:ext cx="4789362" cy="2111526"/>
+          </a:xfrm>
+          <a:prstGeom prst="rect">
+            <a:avLst/>
+          </a:prstGeom>
+        </p:spPr>
+      </p:pic>
+    </p:spTree>
+    <p:extLst>
+      <p:ext uri="{BB962C8B-B14F-4D97-AF65-F5344CB8AC3E}">
+        <p14:creationId xmlns:p14="http://schemas.microsoft.com/office/powerpoint/2010/main" val="581898053"/>
+      </p:ext>
+    </p:extLst>
+  </p:cSld>
+  <p:clrMapOvr>
+    <a:masterClrMapping/>
+  </p:clrMapOvr>
+  <mc:AlternateContent xmlns:mc="http://schemas.openxmlformats.org/markup-compatibility/2006" xmlns:p14="http://schemas.microsoft.com/office/powerpoint/2010/main">
+    <mc:Choice Requires="p14">
+      <p:transition spd="med" p14:dur="700">
+        <p:fade/>
+      </p:transition>
+    </mc:Choice>
+    <mc:Fallback xmlns="">
+      <p:transition spd="med">
+        <p:fade/>
+      </p:transition>
+    </mc:Fallback>
+  </mc:AlternateContent>
+  <p:timing>
+    <p:tnLst>
+      <p:par>
+        <p:cTn id="1" dur="indefinite" restart="never" nodeType="tmRoot"/>
+      </p:par>
+    </p:tnLst>
+  </p:timing>
+</p:sld>
+</file>
+
+<file path=ppt/slides/slide19.xml><?xml version="1.0" encoding="utf-8"?>
+<p:sld xmlns:a="http://schemas.openxmlformats.org/drawingml/2006/main" xmlns:r="http://schemas.openxmlformats.org/officeDocument/2006/relationships" xmlns:p="http://schemas.openxmlformats.org/presentationml/2006/main">
+  <p:cSld>
+    <p:spTree>
+      <p:nvGrpSpPr>
+        <p:cNvPr id="1" name=""/>
+        <p:cNvGrpSpPr/>
+        <p:nvPr/>
+      </p:nvGrpSpPr>
+      <p:grpSpPr>
+        <a:xfrm>
+          <a:off x="0" y="0"/>
+          <a:ext cx="0" cy="0"/>
+          <a:chOff x="0" y="0"/>
+          <a:chExt cx="0" cy="0"/>
+        </a:xfrm>
+      </p:grpSpPr>
+      <p:sp>
+        <p:nvSpPr>
+          <p:cNvPr id="2" name="标题 1"/>
+          <p:cNvSpPr>
+            <a:spLocks noGrp="1"/>
+          </p:cNvSpPr>
+          <p:nvPr>
+            <p:ph type="title"/>
+          </p:nvPr>
+        </p:nvSpPr>
+        <p:spPr/>
+        <p:txBody>
+          <a:bodyPr/>
+          <a:lstStyle/>
+          <a:p>
+            <a:r>
+              <a:rPr lang="en-US" altLang="zh-CN" dirty="0"/>
+              <a:t>7.3 Types and Declarations-Sequences of Declarations</a:t>
+            </a:r>
+            <a:endParaRPr lang="zh-CN" altLang="en-US" dirty="0"/>
+          </a:p>
+        </p:txBody>
+      </p:sp>
+      <p:sp>
+        <p:nvSpPr>
+          <p:cNvPr id="3" name="内容占位符 2"/>
+          <p:cNvSpPr>
+            <a:spLocks noGrp="1"/>
+          </p:cNvSpPr>
+          <p:nvPr>
+            <p:ph idx="1"/>
+          </p:nvPr>
+        </p:nvSpPr>
+        <p:spPr>
+          <a:xfrm>
+            <a:off x="828675" y="1600200"/>
+            <a:ext cx="7486650" cy="1273629"/>
+          </a:xfrm>
+        </p:spPr>
+        <p:txBody>
+          <a:bodyPr/>
+          <a:lstStyle/>
+          <a:p>
+            <a:r>
+              <a:rPr lang="en-US" altLang="zh-CN" dirty="0"/>
+              <a:t>Languages such as C and Java allow all the declarations in a </a:t>
+            </a:r>
+            <a:r>
+              <a:rPr lang="en-US" altLang="zh-CN" dirty="0" smtClean="0"/>
+              <a:t>single procedure to </a:t>
+            </a:r>
+            <a:r>
+              <a:rPr lang="en-US" altLang="zh-CN" dirty="0"/>
+              <a:t>be processed as a group. The declarations may be distributed within a </a:t>
+            </a:r>
+            <a:r>
+              <a:rPr lang="en-US" altLang="zh-CN" dirty="0" smtClean="0"/>
+              <a:t>Java procedure</a:t>
+            </a:r>
+            <a:r>
+              <a:rPr lang="en-US" altLang="zh-CN" dirty="0"/>
+              <a:t>, but they can still be processed when the procedure is </a:t>
+            </a:r>
+            <a:r>
+              <a:rPr lang="en-US" altLang="zh-CN" dirty="0" smtClean="0"/>
+              <a:t>analyzed. Therefore </a:t>
+            </a:r>
+            <a:r>
+              <a:rPr lang="en-US" altLang="zh-CN" dirty="0"/>
+              <a:t>, we can use a variable, say offset, to keep track of the next </a:t>
+            </a:r>
+            <a:r>
+              <a:rPr lang="en-US" altLang="zh-CN" dirty="0" smtClean="0"/>
+              <a:t>available relative </a:t>
+            </a:r>
+            <a:r>
+              <a:rPr lang="en-US" altLang="zh-CN" dirty="0"/>
+              <a:t>address</a:t>
+            </a:r>
+            <a:r>
+              <a:rPr lang="en-US" altLang="zh-CN" dirty="0" smtClean="0"/>
+              <a:t>.</a:t>
+            </a:r>
+          </a:p>
+          <a:p>
+            <a:endParaRPr lang="zh-CN" altLang="en-US" dirty="0"/>
+          </a:p>
+        </p:txBody>
+      </p:sp>
+      <p:pic>
+        <p:nvPicPr>
+          <p:cNvPr id="4" name="图片 3"/>
+          <p:cNvPicPr>
+            <a:picLocks noChangeAspect="1"/>
+          </p:cNvPicPr>
+          <p:nvPr/>
+        </p:nvPicPr>
+        <p:blipFill>
+          <a:blip r:embed="rId2"/>
+          <a:stretch>
+            <a:fillRect/>
+          </a:stretch>
+        </p:blipFill>
+        <p:spPr>
+          <a:xfrm>
+            <a:off x="2058352" y="2873829"/>
+            <a:ext cx="4352381" cy="1685714"/>
+          </a:xfrm>
+          <a:prstGeom prst="rect">
+            <a:avLst/>
+          </a:prstGeom>
+        </p:spPr>
+      </p:pic>
+      <p:sp>
+        <p:nvSpPr>
+          <p:cNvPr id="5" name="矩形 4"/>
+          <p:cNvSpPr/>
+          <p:nvPr/>
+        </p:nvSpPr>
+        <p:spPr>
+          <a:xfrm>
+            <a:off x="2656114" y="4864464"/>
+            <a:ext cx="4572000" cy="1200329"/>
+          </a:xfrm>
+          <a:prstGeom prst="rect">
+            <a:avLst/>
+          </a:prstGeom>
+        </p:spPr>
+        <p:style>
+          <a:lnRef idx="1">
+            <a:schemeClr val="accent4"/>
+          </a:lnRef>
+          <a:fillRef idx="2">
+            <a:schemeClr val="accent4"/>
+          </a:fillRef>
+          <a:effectRef idx="1">
+            <a:schemeClr val="accent4"/>
+          </a:effectRef>
+          <a:fontRef idx="minor">
+            <a:schemeClr val="dk1"/>
+          </a:fontRef>
+        </p:style>
+        <p:txBody>
+          <a:bodyPr>
+            <a:spAutoFit/>
+          </a:bodyPr>
+          <a:lstStyle/>
+          <a:p>
+            <a:r>
+              <a:rPr lang="en-US" altLang="zh-CN" dirty="0"/>
+              <a:t>creates a </a:t>
+            </a:r>
+            <a:r>
+              <a:rPr lang="en-US" altLang="zh-CN" dirty="0" smtClean="0"/>
+              <a:t>symbol table</a:t>
+            </a:r>
+            <a:endParaRPr lang="en-US" altLang="zh-CN" dirty="0"/>
+          </a:p>
+          <a:p>
+            <a:r>
+              <a:rPr lang="en-US" altLang="zh-CN" dirty="0"/>
+              <a:t>entry by executing </a:t>
+            </a:r>
+            <a:r>
+              <a:rPr lang="en-US" altLang="zh-CN" i="1" dirty="0" err="1"/>
+              <a:t>top.put</a:t>
+            </a:r>
+            <a:r>
+              <a:rPr lang="en-US" altLang="zh-CN" i="1" dirty="0"/>
+              <a:t>(id. lexeme, T. type, offset) </a:t>
+            </a:r>
+            <a:r>
+              <a:rPr lang="en-US" altLang="zh-CN" dirty="0"/>
+              <a:t>. </a:t>
+            </a:r>
+            <a:r>
+              <a:rPr lang="en-US" altLang="zh-CN" dirty="0" smtClean="0"/>
+              <a:t>Here </a:t>
+            </a:r>
+            <a:r>
+              <a:rPr lang="en-US" altLang="zh-CN" dirty="0"/>
+              <a:t>top denotes</a:t>
+            </a:r>
+          </a:p>
+          <a:p>
+            <a:r>
+              <a:rPr lang="en-US" altLang="zh-CN" dirty="0"/>
+              <a:t>the current symbol table.</a:t>
+            </a:r>
+            <a:endParaRPr lang="zh-CN" altLang="en-US" dirty="0"/>
+          </a:p>
+        </p:txBody>
+      </p:sp>
+      <p:cxnSp>
+        <p:nvCxnSpPr>
+          <p:cNvPr id="7" name="直接箭头连接符 6"/>
+          <p:cNvCxnSpPr/>
+          <p:nvPr/>
+        </p:nvCxnSpPr>
+        <p:spPr>
+          <a:xfrm flipH="1" flipV="1">
+            <a:off x="6193971" y="3716686"/>
+            <a:ext cx="315686" cy="1147778"/>
+          </a:xfrm>
+          <a:prstGeom prst="straightConnector1">
+            <a:avLst/>
+          </a:prstGeom>
+          <a:ln>
+            <a:solidFill>
+              <a:schemeClr val="accent1"/>
+            </a:solidFill>
+            <a:tailEnd type="triangle"/>
+          </a:ln>
+        </p:spPr>
+        <p:style>
+          <a:lnRef idx="1">
+            <a:schemeClr val="accent1"/>
+          </a:lnRef>
+          <a:fillRef idx="0">
+            <a:schemeClr val="accent1"/>
+          </a:fillRef>
+          <a:effectRef idx="0">
+            <a:schemeClr val="accent1"/>
+          </a:effectRef>
+          <a:fontRef idx="minor">
+            <a:schemeClr val="tx1"/>
+          </a:fontRef>
+        </p:style>
+      </p:cxnSp>
+    </p:spTree>
+    <p:extLst>
+      <p:ext uri="{BB962C8B-B14F-4D97-AF65-F5344CB8AC3E}">
+        <p14:creationId xmlns:p14="http://schemas.microsoft.com/office/powerpoint/2010/main" val="3110095234"/>
+      </p:ext>
+    </p:extLst>
+  </p:cSld>
+  <p:clrMapOvr>
+    <a:masterClrMapping/>
+  </p:clrMapOvr>
+  <mc:AlternateContent xmlns:mc="http://schemas.openxmlformats.org/markup-compatibility/2006" xmlns:p14="http://schemas.microsoft.com/office/powerpoint/2010/main">
+    <mc:Choice Requires="p14">
+      <p:transition spd="med" p14:dur="700">
+        <p:fade/>
+      </p:transition>
+    </mc:Choice>
+    <mc:Fallback xmlns="">
+      <p:transition spd="med">
+        <p:fade/>
+      </p:transition>
+    </mc:Fallback>
+  </mc:AlternateContent>
+  <p:timing>
+    <p:tnLst>
+      <p:par>
+        <p:cTn id="1" dur="indefinite" restart="never" nodeType="tmRoot"/>
+      </p:par>
+    </p:tnLst>
+  </p:timing>
+</p:sld>
+</file>
+
 <file path=ppt/slides/slide2.xml><?xml version="1.0" encoding="utf-8"?>
 <p:sld xmlns:a="http://schemas.openxmlformats.org/drawingml/2006/main" xmlns:r="http://schemas.openxmlformats.org/officeDocument/2006/relationships" xmlns:p="http://schemas.openxmlformats.org/presentationml/2006/main">
   <p:cSld>
@@ -7093,6 +7705,382 @@
     <p:extLst>
       <p:ext uri="{BB962C8B-B14F-4D97-AF65-F5344CB8AC3E}">
         <p14:creationId xmlns:p14="http://schemas.microsoft.com/office/powerpoint/2010/main" val="132884364"/>
+      </p:ext>
+    </p:extLst>
+  </p:cSld>
+  <p:clrMapOvr>
+    <a:masterClrMapping/>
+  </p:clrMapOvr>
+  <mc:AlternateContent xmlns:mc="http://schemas.openxmlformats.org/markup-compatibility/2006" xmlns:p14="http://schemas.microsoft.com/office/powerpoint/2010/main">
+    <mc:Choice Requires="p14">
+      <p:transition spd="med" p14:dur="700">
+        <p:fade/>
+      </p:transition>
+    </mc:Choice>
+    <mc:Fallback xmlns="">
+      <p:transition spd="med">
+        <p:fade/>
+      </p:transition>
+    </mc:Fallback>
+  </mc:AlternateContent>
+</p:sld>
+</file>
+
+<file path=ppt/slides/slide20.xml><?xml version="1.0" encoding="utf-8"?>
+<p:sld xmlns:a="http://schemas.openxmlformats.org/drawingml/2006/main" xmlns:r="http://schemas.openxmlformats.org/officeDocument/2006/relationships" xmlns:p="http://schemas.openxmlformats.org/presentationml/2006/main">
+  <p:cSld>
+    <p:spTree>
+      <p:nvGrpSpPr>
+        <p:cNvPr id="1" name=""/>
+        <p:cNvGrpSpPr/>
+        <p:nvPr/>
+      </p:nvGrpSpPr>
+      <p:grpSpPr>
+        <a:xfrm>
+          <a:off x="0" y="0"/>
+          <a:ext cx="0" cy="0"/>
+          <a:chOff x="0" y="0"/>
+          <a:chExt cx="0" cy="0"/>
+        </a:xfrm>
+      </p:grpSpPr>
+      <p:sp>
+        <p:nvSpPr>
+          <p:cNvPr id="2" name="标题 1"/>
+          <p:cNvSpPr>
+            <a:spLocks noGrp="1"/>
+          </p:cNvSpPr>
+          <p:nvPr>
+            <p:ph type="title"/>
+          </p:nvPr>
+        </p:nvSpPr>
+        <p:spPr/>
+        <p:txBody>
+          <a:bodyPr/>
+          <a:lstStyle/>
+          <a:p>
+            <a:r>
+              <a:rPr lang="en-US" altLang="zh-CN" dirty="0"/>
+              <a:t>7.3 Types and </a:t>
+            </a:r>
+            <a:r>
+              <a:rPr lang="en-US" altLang="zh-CN" dirty="0" smtClean="0"/>
+              <a:t>Declarations-Fields in </a:t>
+            </a:r>
+            <a:r>
+              <a:rPr lang="en-US" altLang="zh-CN" dirty="0"/>
+              <a:t>Records and Classes</a:t>
+            </a:r>
+            <a:endParaRPr lang="zh-CN" altLang="en-US" dirty="0"/>
+          </a:p>
+        </p:txBody>
+      </p:sp>
+      <p:sp>
+        <p:nvSpPr>
+          <p:cNvPr id="3" name="内容占位符 2"/>
+          <p:cNvSpPr>
+            <a:spLocks noGrp="1"/>
+          </p:cNvSpPr>
+          <p:nvPr>
+            <p:ph idx="1"/>
+          </p:nvPr>
+        </p:nvSpPr>
+        <p:spPr>
+          <a:xfrm>
+            <a:off x="828675" y="1600199"/>
+            <a:ext cx="7486650" cy="4365171"/>
+          </a:xfrm>
+        </p:spPr>
+        <p:txBody>
+          <a:bodyPr/>
+          <a:lstStyle/>
+          <a:p>
+            <a:r>
+              <a:rPr lang="en-US" altLang="zh-CN" dirty="0"/>
+              <a:t>This production has two </a:t>
+            </a:r>
+            <a:r>
+              <a:rPr lang="en-US" altLang="zh-CN" dirty="0" smtClean="0"/>
+              <a:t>semantic actions</a:t>
+            </a:r>
+            <a:r>
+              <a:rPr lang="en-US" altLang="zh-CN" dirty="0"/>
+              <a:t>. The embedded action before </a:t>
+            </a:r>
+            <a:r>
+              <a:rPr lang="en-US" altLang="zh-CN" i="1" dirty="0"/>
+              <a:t>D</a:t>
+            </a:r>
+            <a:r>
+              <a:rPr lang="en-US" altLang="zh-CN" dirty="0"/>
+              <a:t> saves the existing symbol table, </a:t>
+            </a:r>
+            <a:r>
+              <a:rPr lang="en-US" altLang="zh-CN" dirty="0" smtClean="0"/>
+              <a:t>denoted by </a:t>
+            </a:r>
+            <a:r>
+              <a:rPr lang="en-US" altLang="zh-CN" dirty="0"/>
+              <a:t>top and sets top to a fresh symbol table. It also saves the current offset, </a:t>
+            </a:r>
+            <a:r>
+              <a:rPr lang="en-US" altLang="zh-CN" dirty="0" smtClean="0"/>
+              <a:t>and sets </a:t>
+            </a:r>
+            <a:r>
+              <a:rPr lang="en-US" altLang="zh-CN" dirty="0"/>
+              <a:t>offset to </a:t>
+            </a:r>
+            <a:r>
+              <a:rPr lang="en-US" altLang="zh-CN" i="1" dirty="0" smtClean="0"/>
+              <a:t>0</a:t>
+            </a:r>
+            <a:r>
+              <a:rPr lang="en-US" altLang="zh-CN" dirty="0" smtClean="0"/>
+              <a:t>. </a:t>
+            </a:r>
+            <a:r>
+              <a:rPr lang="en-US" altLang="zh-CN" dirty="0"/>
+              <a:t>The declarations generated by </a:t>
+            </a:r>
+            <a:r>
+              <a:rPr lang="en-US" altLang="zh-CN" i="1" dirty="0"/>
+              <a:t>D</a:t>
+            </a:r>
+            <a:r>
+              <a:rPr lang="en-US" altLang="zh-CN" dirty="0"/>
+              <a:t> will result in types and </a:t>
+            </a:r>
+            <a:r>
+              <a:rPr lang="en-US" altLang="zh-CN" dirty="0" smtClean="0"/>
+              <a:t>relative addresses </a:t>
+            </a:r>
+            <a:r>
+              <a:rPr lang="en-US" altLang="zh-CN" dirty="0"/>
+              <a:t>being put in the fresh symbol table. The action after </a:t>
+            </a:r>
+            <a:r>
+              <a:rPr lang="en-US" altLang="zh-CN" i="1" dirty="0"/>
+              <a:t>D</a:t>
+            </a:r>
+            <a:r>
+              <a:rPr lang="en-US" altLang="zh-CN" dirty="0"/>
+              <a:t> creates </a:t>
+            </a:r>
+            <a:r>
+              <a:rPr lang="en-US" altLang="zh-CN" dirty="0" smtClean="0"/>
+              <a:t>a record </a:t>
+            </a:r>
+            <a:r>
+              <a:rPr lang="en-US" altLang="zh-CN" dirty="0"/>
+              <a:t>type using top, before restoring the saved symbol table and </a:t>
+            </a:r>
+            <a:r>
+              <a:rPr lang="en-US" altLang="zh-CN" dirty="0" smtClean="0"/>
+              <a:t>offset.</a:t>
+            </a:r>
+          </a:p>
+          <a:p>
+            <a:endParaRPr lang="en-US" altLang="zh-CN" dirty="0"/>
+          </a:p>
+          <a:p>
+            <a:endParaRPr lang="en-US" altLang="zh-CN" dirty="0" smtClean="0"/>
+          </a:p>
+          <a:p>
+            <a:endParaRPr lang="en-US" altLang="zh-CN" dirty="0"/>
+          </a:p>
+          <a:p>
+            <a:pPr>
+              <a:lnSpc>
+                <a:spcPct val="100000"/>
+              </a:lnSpc>
+            </a:pPr>
+            <a:r>
+              <a:rPr lang="en-US" altLang="zh-CN" dirty="0"/>
+              <a:t>Let class </a:t>
+            </a:r>
+            <a:r>
+              <a:rPr lang="en-US" altLang="zh-CN" i="1" dirty="0" err="1"/>
+              <a:t>Env</a:t>
+            </a:r>
+            <a:r>
+              <a:rPr lang="en-US" altLang="zh-CN" dirty="0"/>
+              <a:t> implement symbol tables. The call </a:t>
+            </a:r>
+            <a:r>
+              <a:rPr lang="en-US" altLang="zh-CN" i="1" dirty="0" err="1"/>
+              <a:t>Env.push</a:t>
+            </a:r>
+            <a:r>
+              <a:rPr lang="en-US" altLang="zh-CN" i="1" dirty="0"/>
+              <a:t>( </a:t>
+            </a:r>
+            <a:r>
+              <a:rPr lang="en-US" altLang="zh-CN" i="1" dirty="0" smtClean="0"/>
+              <a:t>top) </a:t>
+            </a:r>
+            <a:r>
+              <a:rPr lang="en-US" altLang="zh-CN" dirty="0" smtClean="0"/>
+              <a:t>pushes </a:t>
+            </a:r>
+            <a:r>
+              <a:rPr lang="en-US" altLang="zh-CN" dirty="0"/>
+              <a:t>the current symbol table denoted by top onto a stack. Variable top </a:t>
+            </a:r>
+            <a:r>
+              <a:rPr lang="en-US" altLang="zh-CN" dirty="0" smtClean="0"/>
+              <a:t>is then </a:t>
+            </a:r>
+            <a:r>
+              <a:rPr lang="en-US" altLang="zh-CN" dirty="0"/>
+              <a:t>set to a new symbol table. Similarly, offset is pushed onto a stack </a:t>
+            </a:r>
+            <a:r>
+              <a:rPr lang="en-US" altLang="zh-CN" dirty="0" smtClean="0"/>
+              <a:t>called Stack</a:t>
+            </a:r>
+            <a:r>
+              <a:rPr lang="en-US" altLang="zh-CN" dirty="0"/>
+              <a:t>. Variable offset is then set to </a:t>
+            </a:r>
+            <a:r>
+              <a:rPr lang="en-US" altLang="zh-CN" dirty="0" smtClean="0"/>
+              <a:t>0.</a:t>
+            </a:r>
+          </a:p>
+          <a:p>
+            <a:endParaRPr lang="en-US" altLang="zh-CN" dirty="0"/>
+          </a:p>
+          <a:p>
+            <a:endParaRPr lang="en-US" altLang="zh-CN" dirty="0" smtClean="0"/>
+          </a:p>
+          <a:p>
+            <a:endParaRPr lang="en-US" altLang="zh-CN" dirty="0"/>
+          </a:p>
+          <a:p>
+            <a:endParaRPr lang="zh-CN" altLang="en-US" dirty="0"/>
+          </a:p>
+        </p:txBody>
+      </p:sp>
+      <p:pic>
+        <p:nvPicPr>
+          <p:cNvPr id="4" name="图片 3"/>
+          <p:cNvPicPr>
+            <a:picLocks noChangeAspect="1"/>
+          </p:cNvPicPr>
+          <p:nvPr/>
+        </p:nvPicPr>
+        <p:blipFill>
+          <a:blip r:embed="rId2"/>
+          <a:stretch>
+            <a:fillRect/>
+          </a:stretch>
+        </p:blipFill>
+        <p:spPr>
+          <a:xfrm>
+            <a:off x="1876193" y="2831048"/>
+            <a:ext cx="5390476" cy="1304762"/>
+          </a:xfrm>
+          <a:prstGeom prst="rect">
+            <a:avLst/>
+          </a:prstGeom>
+        </p:spPr>
+      </p:pic>
+    </p:spTree>
+    <p:extLst>
+      <p:ext uri="{BB962C8B-B14F-4D97-AF65-F5344CB8AC3E}">
+        <p14:creationId xmlns:p14="http://schemas.microsoft.com/office/powerpoint/2010/main" val="2169707715"/>
+      </p:ext>
+    </p:extLst>
+  </p:cSld>
+  <p:clrMapOvr>
+    <a:masterClrMapping/>
+  </p:clrMapOvr>
+  <mc:AlternateContent xmlns:mc="http://schemas.openxmlformats.org/markup-compatibility/2006" xmlns:p14="http://schemas.microsoft.com/office/powerpoint/2010/main">
+    <mc:Choice Requires="p14">
+      <p:transition spd="med" p14:dur="700">
+        <p:fade/>
+      </p:transition>
+    </mc:Choice>
+    <mc:Fallback xmlns="">
+      <p:transition spd="med">
+        <p:fade/>
+      </p:transition>
+    </mc:Fallback>
+  </mc:AlternateContent>
+</p:sld>
+</file>
+
+<file path=ppt/slides/slide21.xml><?xml version="1.0" encoding="utf-8"?>
+<p:sld xmlns:a="http://schemas.openxmlformats.org/drawingml/2006/main" xmlns:r="http://schemas.openxmlformats.org/officeDocument/2006/relationships" xmlns:p="http://schemas.openxmlformats.org/presentationml/2006/main">
+  <p:cSld>
+    <p:spTree>
+      <p:nvGrpSpPr>
+        <p:cNvPr id="1" name=""/>
+        <p:cNvGrpSpPr/>
+        <p:nvPr/>
+      </p:nvGrpSpPr>
+      <p:grpSpPr>
+        <a:xfrm>
+          <a:off x="0" y="0"/>
+          <a:ext cx="0" cy="0"/>
+          <a:chOff x="0" y="0"/>
+          <a:chExt cx="0" cy="0"/>
+        </a:xfrm>
+      </p:grpSpPr>
+      <p:sp>
+        <p:nvSpPr>
+          <p:cNvPr id="2" name="标题 1"/>
+          <p:cNvSpPr>
+            <a:spLocks noGrp="1"/>
+          </p:cNvSpPr>
+          <p:nvPr>
+            <p:ph type="title"/>
+          </p:nvPr>
+        </p:nvSpPr>
+        <p:spPr/>
+        <p:txBody>
+          <a:bodyPr/>
+          <a:lstStyle/>
+          <a:p>
+            <a:r>
+              <a:rPr lang="en-US" altLang="zh-CN" dirty="0" smtClean="0"/>
+              <a:t>7.4 Translation </a:t>
+            </a:r>
+            <a:r>
+              <a:rPr lang="en-US" altLang="zh-CN" dirty="0"/>
+              <a:t>of </a:t>
+            </a:r>
+            <a:r>
+              <a:rPr lang="en-US" altLang="zh-CN" dirty="0" smtClean="0"/>
+              <a:t>Expressions-Operations Within Expressions</a:t>
+            </a:r>
+            <a:endParaRPr lang="zh-CN" altLang="en-US" dirty="0"/>
+          </a:p>
+        </p:txBody>
+      </p:sp>
+      <p:sp>
+        <p:nvSpPr>
+          <p:cNvPr id="3" name="内容占位符 2"/>
+          <p:cNvSpPr>
+            <a:spLocks noGrp="1"/>
+          </p:cNvSpPr>
+          <p:nvPr>
+            <p:ph idx="1"/>
+          </p:nvPr>
+        </p:nvSpPr>
+        <p:spPr/>
+        <p:txBody>
+          <a:bodyPr/>
+          <a:lstStyle/>
+          <a:p>
+            <a:endParaRPr lang="zh-CN" altLang="en-US"/>
+          </a:p>
+        </p:txBody>
+      </p:sp>
+    </p:spTree>
+    <p:extLst>
+      <p:ext uri="{BB962C8B-B14F-4D97-AF65-F5344CB8AC3E}">
+        <p14:creationId xmlns:p14="http://schemas.microsoft.com/office/powerpoint/2010/main" val="1241107300"/>
       </p:ext>
     </p:extLst>
   </p:cSld>
@@ -7197,7 +8185,21 @@
             </a:r>
             <a:r>
               <a:rPr lang="en-US" altLang="zh-CN" dirty="0"/>
-              <a:t>and Declarations</a:t>
+              <a:t>and </a:t>
+            </a:r>
+            <a:r>
+              <a:rPr lang="en-US" altLang="zh-CN" dirty="0" smtClean="0"/>
+              <a:t>Declarations</a:t>
+            </a:r>
+          </a:p>
+          <a:p>
+            <a:r>
+              <a:rPr lang="en-US" altLang="zh-CN" dirty="0" smtClean="0"/>
+              <a:t>Translation </a:t>
+            </a:r>
+            <a:r>
+              <a:rPr lang="en-US" altLang="zh-CN" dirty="0"/>
+              <a:t>of Expressions</a:t>
             </a:r>
             <a:endParaRPr lang="en-US" altLang="zh-CN" dirty="0"/>
           </a:p>
@@ -7900,7 +8902,7 @@
           <a:graphicData uri="http://schemas.openxmlformats.org/presentationml/2006/ole">
             <mc:AlternateContent xmlns:mc="http://schemas.openxmlformats.org/markup-compatibility/2006">
               <mc:Choice xmlns:v="urn:schemas-microsoft-com:vml" Requires="v">
-                <p:oleObj spid="_x0000_s1061" name="Equation" r:id="rId3" imgW="596880" imgH="457200" progId="Equation.DSMT4">
+                <p:oleObj spid="_x0000_s1078" name="Equation" r:id="rId3" imgW="596880" imgH="457200" progId="Equation.DSMT4">
                   <p:embed/>
                 </p:oleObj>
               </mc:Choice>
@@ -10159,141 +11161,6 @@
 </file>
 
 <file path=customXml/item1.xml><?xml version="1.0" encoding="utf-8"?>
-<p:properties xmlns:p="http://schemas.microsoft.com/office/2006/metadata/properties" xmlns:xsi="http://www.w3.org/2001/XMLSchema-instance" xmlns:pc="http://schemas.microsoft.com/office/infopath/2007/PartnerControls">
-  <documentManagement>
-    <APDescription xmlns="4873beb7-5857-4685-be1f-d57550cc96cc" xsi:nil="true"/>
-    <AssetExpire xmlns="4873beb7-5857-4685-be1f-d57550cc96cc">2029-01-01T08:00:00+00:00</AssetExpire>
-    <CampaignTagsTaxHTField0 xmlns="4873beb7-5857-4685-be1f-d57550cc96cc">
-      <Terms xmlns="http://schemas.microsoft.com/office/infopath/2007/PartnerControls"/>
-    </CampaignTagsTaxHTField0>
-    <IntlLangReviewDate xmlns="4873beb7-5857-4685-be1f-d57550cc96cc" xsi:nil="true"/>
-    <TPFriendlyName xmlns="4873beb7-5857-4685-be1f-d57550cc96cc" xsi:nil="true"/>
-    <IntlLangReview xmlns="4873beb7-5857-4685-be1f-d57550cc96cc">false</IntlLangReview>
-    <LocLastLocAttemptVersionLookup xmlns="4873beb7-5857-4685-be1f-d57550cc96cc">855024</LocLastLocAttemptVersionLookup>
-    <PolicheckWords xmlns="4873beb7-5857-4685-be1f-d57550cc96cc" xsi:nil="true"/>
-    <SubmitterId xmlns="4873beb7-5857-4685-be1f-d57550cc96cc" xsi:nil="true"/>
-    <AcquiredFrom xmlns="4873beb7-5857-4685-be1f-d57550cc96cc">Internal MS</AcquiredFrom>
-    <EditorialStatus xmlns="4873beb7-5857-4685-be1f-d57550cc96cc">Complete</EditorialStatus>
-    <Markets xmlns="4873beb7-5857-4685-be1f-d57550cc96cc"/>
-    <OriginAsset xmlns="4873beb7-5857-4685-be1f-d57550cc96cc" xsi:nil="true"/>
-    <AssetStart xmlns="4873beb7-5857-4685-be1f-d57550cc96cc">2012-08-31T08:50:00+00:00</AssetStart>
-    <FriendlyTitle xmlns="4873beb7-5857-4685-be1f-d57550cc96cc" xsi:nil="true"/>
-    <MarketSpecific xmlns="4873beb7-5857-4685-be1f-d57550cc96cc">false</MarketSpecific>
-    <TPNamespace xmlns="4873beb7-5857-4685-be1f-d57550cc96cc" xsi:nil="true"/>
-    <PublishStatusLookup xmlns="4873beb7-5857-4685-be1f-d57550cc96cc">
-      <Value>1616423</Value>
-    </PublishStatusLookup>
-    <APAuthor xmlns="4873beb7-5857-4685-be1f-d57550cc96cc">
-      <UserInfo>
-        <DisplayName>REDMOND\kristaa</DisplayName>
-        <AccountId>136</AccountId>
-        <AccountType/>
-      </UserInfo>
-    </APAuthor>
-    <TPCommandLine xmlns="4873beb7-5857-4685-be1f-d57550cc96cc" xsi:nil="true"/>
-    <IntlLangReviewer xmlns="4873beb7-5857-4685-be1f-d57550cc96cc" xsi:nil="true"/>
-    <OpenTemplate xmlns="4873beb7-5857-4685-be1f-d57550cc96cc">true</OpenTemplate>
-    <CSXSubmissionDate xmlns="4873beb7-5857-4685-be1f-d57550cc96cc" xsi:nil="true"/>
-    <TaxCatchAll xmlns="4873beb7-5857-4685-be1f-d57550cc96cc"/>
-    <Manager xmlns="4873beb7-5857-4685-be1f-d57550cc96cc" xsi:nil="true"/>
-    <NumericId xmlns="4873beb7-5857-4685-be1f-d57550cc96cc" xsi:nil="true"/>
-    <ParentAssetId xmlns="4873beb7-5857-4685-be1f-d57550cc96cc" xsi:nil="true"/>
-    <OriginalSourceMarket xmlns="4873beb7-5857-4685-be1f-d57550cc96cc" xsi:nil="true"/>
-    <ApprovalStatus xmlns="4873beb7-5857-4685-be1f-d57550cc96cc">InProgress</ApprovalStatus>
-    <TPComponent xmlns="4873beb7-5857-4685-be1f-d57550cc96cc" xsi:nil="true"/>
-    <EditorialTags xmlns="4873beb7-5857-4685-be1f-d57550cc96cc" xsi:nil="true"/>
-    <TPExecutable xmlns="4873beb7-5857-4685-be1f-d57550cc96cc" xsi:nil="true"/>
-    <TPLaunchHelpLink xmlns="4873beb7-5857-4685-be1f-d57550cc96cc" xsi:nil="true"/>
-    <LocComments xmlns="4873beb7-5857-4685-be1f-d57550cc96cc" xsi:nil="true"/>
-    <LocRecommendedHandoff xmlns="4873beb7-5857-4685-be1f-d57550cc96cc" xsi:nil="true"/>
-    <SourceTitle xmlns="4873beb7-5857-4685-be1f-d57550cc96cc" xsi:nil="true"/>
-    <CSXUpdate xmlns="4873beb7-5857-4685-be1f-d57550cc96cc">false</CSXUpdate>
-    <IntlLocPriority xmlns="4873beb7-5857-4685-be1f-d57550cc96cc" xsi:nil="true"/>
-    <UAProjectedTotalWords xmlns="4873beb7-5857-4685-be1f-d57550cc96cc" xsi:nil="true"/>
-    <AssetType xmlns="4873beb7-5857-4685-be1f-d57550cc96cc">TP</AssetType>
-    <MachineTranslated xmlns="4873beb7-5857-4685-be1f-d57550cc96cc">false</MachineTranslated>
-    <OutputCachingOn xmlns="4873beb7-5857-4685-be1f-d57550cc96cc">false</OutputCachingOn>
-    <TemplateStatus xmlns="4873beb7-5857-4685-be1f-d57550cc96cc">Complete</TemplateStatus>
-    <IsSearchable xmlns="4873beb7-5857-4685-be1f-d57550cc96cc">true</IsSearchable>
-    <ContentItem xmlns="4873beb7-5857-4685-be1f-d57550cc96cc" xsi:nil="true"/>
-    <HandoffToMSDN xmlns="4873beb7-5857-4685-be1f-d57550cc96cc" xsi:nil="true"/>
-    <ShowIn xmlns="4873beb7-5857-4685-be1f-d57550cc96cc">Show everywhere</ShowIn>
-    <ThumbnailAssetId xmlns="4873beb7-5857-4685-be1f-d57550cc96cc" xsi:nil="true"/>
-    <UALocComments xmlns="4873beb7-5857-4685-be1f-d57550cc96cc" xsi:nil="true"/>
-    <UALocRecommendation xmlns="4873beb7-5857-4685-be1f-d57550cc96cc">Localize</UALocRecommendation>
-    <LastModifiedDateTime xmlns="4873beb7-5857-4685-be1f-d57550cc96cc" xsi:nil="true"/>
-    <LegacyData xmlns="4873beb7-5857-4685-be1f-d57550cc96cc" xsi:nil="true"/>
-    <LocManualTestRequired xmlns="4873beb7-5857-4685-be1f-d57550cc96cc">false</LocManualTestRequired>
-    <LocMarketGroupTiers2 xmlns="4873beb7-5857-4685-be1f-d57550cc96cc" xsi:nil="true"/>
-    <ClipArtFilename xmlns="4873beb7-5857-4685-be1f-d57550cc96cc" xsi:nil="true"/>
-    <TPApplication xmlns="4873beb7-5857-4685-be1f-d57550cc96cc" xsi:nil="true"/>
-    <CSXHash xmlns="4873beb7-5857-4685-be1f-d57550cc96cc" xsi:nil="true"/>
-    <DirectSourceMarket xmlns="4873beb7-5857-4685-be1f-d57550cc96cc" xsi:nil="true"/>
-    <PrimaryImageGen xmlns="4873beb7-5857-4685-be1f-d57550cc96cc">true</PrimaryImageGen>
-    <PlannedPubDate xmlns="4873beb7-5857-4685-be1f-d57550cc96cc" xsi:nil="true"/>
-    <CSXSubmissionMarket xmlns="4873beb7-5857-4685-be1f-d57550cc96cc" xsi:nil="true"/>
-    <Downloads xmlns="4873beb7-5857-4685-be1f-d57550cc96cc">0</Downloads>
-    <ArtSampleDocs xmlns="4873beb7-5857-4685-be1f-d57550cc96cc" xsi:nil="true"/>
-    <TrustLevel xmlns="4873beb7-5857-4685-be1f-d57550cc96cc">1 Microsoft Managed Content</TrustLevel>
-    <BlockPublish xmlns="4873beb7-5857-4685-be1f-d57550cc96cc">false</BlockPublish>
-    <TPLaunchHelpLinkType xmlns="4873beb7-5857-4685-be1f-d57550cc96cc">Template</TPLaunchHelpLinkType>
-    <LocalizationTagsTaxHTField0 xmlns="4873beb7-5857-4685-be1f-d57550cc96cc">
-      <Terms xmlns="http://schemas.microsoft.com/office/infopath/2007/PartnerControls"/>
-    </LocalizationTagsTaxHTField0>
-    <BusinessGroup xmlns="4873beb7-5857-4685-be1f-d57550cc96cc" xsi:nil="true"/>
-    <Providers xmlns="4873beb7-5857-4685-be1f-d57550cc96cc" xsi:nil="true"/>
-    <TemplateTemplateType xmlns="4873beb7-5857-4685-be1f-d57550cc96cc">PowerPoint Presentation Template</TemplateTemplateType>
-    <TimesCloned xmlns="4873beb7-5857-4685-be1f-d57550cc96cc" xsi:nil="true"/>
-    <TPAppVersion xmlns="4873beb7-5857-4685-be1f-d57550cc96cc" xsi:nil="true"/>
-    <VoteCount xmlns="4873beb7-5857-4685-be1f-d57550cc96cc" xsi:nil="true"/>
-    <AverageRating xmlns="4873beb7-5857-4685-be1f-d57550cc96cc" xsi:nil="true"/>
-    <FeatureTagsTaxHTField0 xmlns="4873beb7-5857-4685-be1f-d57550cc96cc">
-      <Terms xmlns="http://schemas.microsoft.com/office/infopath/2007/PartnerControls"/>
-    </FeatureTagsTaxHTField0>
-    <Provider xmlns="4873beb7-5857-4685-be1f-d57550cc96cc" xsi:nil="true"/>
-    <UACurrentWords xmlns="4873beb7-5857-4685-be1f-d57550cc96cc" xsi:nil="true"/>
-    <AssetId xmlns="4873beb7-5857-4685-be1f-d57550cc96cc">TP103431361</AssetId>
-    <TPClientViewer xmlns="4873beb7-5857-4685-be1f-d57550cc96cc" xsi:nil="true"/>
-    <DSATActionTaken xmlns="4873beb7-5857-4685-be1f-d57550cc96cc" xsi:nil="true"/>
-    <APEditor xmlns="4873beb7-5857-4685-be1f-d57550cc96cc">
-      <UserInfo>
-        <DisplayName/>
-        <AccountId xsi:nil="true"/>
-        <AccountType/>
-      </UserInfo>
-    </APEditor>
-    <TPInstallLocation xmlns="4873beb7-5857-4685-be1f-d57550cc96cc" xsi:nil="true"/>
-    <OOCacheId xmlns="4873beb7-5857-4685-be1f-d57550cc96cc" xsi:nil="true"/>
-    <IsDeleted xmlns="4873beb7-5857-4685-be1f-d57550cc96cc">false</IsDeleted>
-    <PublishTargets xmlns="4873beb7-5857-4685-be1f-d57550cc96cc">OfficeOnlineVNext</PublishTargets>
-    <ApprovalLog xmlns="4873beb7-5857-4685-be1f-d57550cc96cc" xsi:nil="true"/>
-    <BugNumber xmlns="4873beb7-5857-4685-be1f-d57550cc96cc" xsi:nil="true"/>
-    <CrawlForDependencies xmlns="4873beb7-5857-4685-be1f-d57550cc96cc">false</CrawlForDependencies>
-    <InternalTagsTaxHTField0 xmlns="4873beb7-5857-4685-be1f-d57550cc96cc">
-      <Terms xmlns="http://schemas.microsoft.com/office/infopath/2007/PartnerControls"/>
-    </InternalTagsTaxHTField0>
-    <LastHandOff xmlns="4873beb7-5857-4685-be1f-d57550cc96cc" xsi:nil="true"/>
-    <Milestone xmlns="4873beb7-5857-4685-be1f-d57550cc96cc" xsi:nil="true"/>
-    <OriginalRelease xmlns="4873beb7-5857-4685-be1f-d57550cc96cc">15</OriginalRelease>
-    <RecommendationsModifier xmlns="4873beb7-5857-4685-be1f-d57550cc96cc" xsi:nil="true"/>
-    <ScenarioTagsTaxHTField0 xmlns="4873beb7-5857-4685-be1f-d57550cc96cc">
-      <Terms xmlns="http://schemas.microsoft.com/office/infopath/2007/PartnerControls"/>
-    </ScenarioTagsTaxHTField0>
-    <UANotes xmlns="4873beb7-5857-4685-be1f-d57550cc96cc" xsi:nil="true"/>
-  </documentManagement>
-</p:properties>
-</file>
-
-<file path=customXml/item2.xml><?xml version="1.0" encoding="utf-8"?>
-<?mso-contentType ?>
-<FormTemplates xmlns="http://schemas.microsoft.com/sharepoint/v3/contenttype/forms">
-  <Display>DocumentLibraryForm</Display>
-  <Edit>AssetEditForm</Edit>
-  <New>DocumentLibraryForm</New>
-</FormTemplates>
-</file>
-
-<file path=customXml/item3.xml><?xml version="1.0" encoding="utf-8"?>
 <ct:contentTypeSchema xmlns:ct="http://schemas.microsoft.com/office/2006/metadata/contentType" xmlns:ma="http://schemas.microsoft.com/office/2006/metadata/properties/metaAttributes" ct:_="" ma:_="" ma:contentTypeName="TemplateFile" ma:contentTypeID="0x0101006EDDDB5EE6D98C44930B742096920B300400F5B6D36B3EF94B4E9A635CDF2A18F5B8" ma:contentTypeVersion="72" ma:contentTypeDescription="Create a new document." ma:contentTypeScope="" ma:versionID="a23e56308344d904b51738559c3d67c9">
   <xsd:schema xmlns:xsd="http://www.w3.org/2001/XMLSchema" xmlns:xs="http://www.w3.org/2001/XMLSchema" xmlns:p="http://schemas.microsoft.com/office/2006/metadata/properties" xmlns:ns2="4873beb7-5857-4685-be1f-d57550cc96cc" targetNamespace="http://schemas.microsoft.com/office/2006/metadata/properties" ma:root="true" ma:fieldsID="cd0908cc4600e77bf5da051303e00c8d" ns2:_="">
     <xsd:import namespace="4873beb7-5857-4685-be1f-d57550cc96cc"/>
@@ -11333,31 +12200,142 @@
 </ct:contentTypeSchema>
 </file>
 
-<file path=customXml/itemProps1.xml><?xml version="1.0" encoding="utf-8"?>
-<ds:datastoreItem xmlns:ds="http://schemas.openxmlformats.org/officeDocument/2006/customXml" ds:itemID="{8CDDBB83-77C1-4099-A0AA-289882E745E2}">
-  <ds:schemaRefs>
-    <ds:schemaRef ds:uri="http://purl.org/dc/terms/"/>
-    <ds:schemaRef ds:uri="http://purl.org/dc/dcmitype/"/>
-    <ds:schemaRef ds:uri="http://www.w3.org/XML/1998/namespace"/>
-    <ds:schemaRef ds:uri="http://purl.org/dc/elements/1.1/"/>
-    <ds:schemaRef ds:uri="http://schemas.microsoft.com/office/infopath/2007/PartnerControls"/>
-    <ds:schemaRef ds:uri="http://schemas.microsoft.com/office/2006/documentManagement/types"/>
-    <ds:schemaRef ds:uri="http://schemas.openxmlformats.org/package/2006/metadata/core-properties"/>
-    <ds:schemaRef ds:uri="4873beb7-5857-4685-be1f-d57550cc96cc"/>
-    <ds:schemaRef ds:uri="http://schemas.microsoft.com/office/2006/metadata/properties"/>
-  </ds:schemaRefs>
-</ds:datastoreItem>
+<file path=customXml/item2.xml><?xml version="1.0" encoding="utf-8"?>
+<?mso-contentType ?>
+<FormTemplates xmlns="http://schemas.microsoft.com/sharepoint/v3/contenttype/forms">
+  <Display>DocumentLibraryForm</Display>
+  <Edit>AssetEditForm</Edit>
+  <New>DocumentLibraryForm</New>
+</FormTemplates>
 </file>
 
-<file path=customXml/itemProps2.xml><?xml version="1.0" encoding="utf-8"?>
-<ds:datastoreItem xmlns:ds="http://schemas.openxmlformats.org/officeDocument/2006/customXml" ds:itemID="{561E720F-F05D-4536-9C34-0CFCED65D3B7}">
-  <ds:schemaRefs>
-    <ds:schemaRef ds:uri="http://schemas.microsoft.com/sharepoint/v3/contenttype/forms"/>
-  </ds:schemaRefs>
-</ds:datastoreItem>
+<file path=customXml/item3.xml><?xml version="1.0" encoding="utf-8"?>
+<p:properties xmlns:p="http://schemas.microsoft.com/office/2006/metadata/properties" xmlns:xsi="http://www.w3.org/2001/XMLSchema-instance" xmlns:pc="http://schemas.microsoft.com/office/infopath/2007/PartnerControls">
+  <documentManagement>
+    <APDescription xmlns="4873beb7-5857-4685-be1f-d57550cc96cc" xsi:nil="true"/>
+    <AssetExpire xmlns="4873beb7-5857-4685-be1f-d57550cc96cc">2029-01-01T08:00:00+00:00</AssetExpire>
+    <CampaignTagsTaxHTField0 xmlns="4873beb7-5857-4685-be1f-d57550cc96cc">
+      <Terms xmlns="http://schemas.microsoft.com/office/infopath/2007/PartnerControls"/>
+    </CampaignTagsTaxHTField0>
+    <IntlLangReviewDate xmlns="4873beb7-5857-4685-be1f-d57550cc96cc" xsi:nil="true"/>
+    <TPFriendlyName xmlns="4873beb7-5857-4685-be1f-d57550cc96cc" xsi:nil="true"/>
+    <IntlLangReview xmlns="4873beb7-5857-4685-be1f-d57550cc96cc">false</IntlLangReview>
+    <LocLastLocAttemptVersionLookup xmlns="4873beb7-5857-4685-be1f-d57550cc96cc">855024</LocLastLocAttemptVersionLookup>
+    <PolicheckWords xmlns="4873beb7-5857-4685-be1f-d57550cc96cc" xsi:nil="true"/>
+    <SubmitterId xmlns="4873beb7-5857-4685-be1f-d57550cc96cc" xsi:nil="true"/>
+    <AcquiredFrom xmlns="4873beb7-5857-4685-be1f-d57550cc96cc">Internal MS</AcquiredFrom>
+    <EditorialStatus xmlns="4873beb7-5857-4685-be1f-d57550cc96cc">Complete</EditorialStatus>
+    <Markets xmlns="4873beb7-5857-4685-be1f-d57550cc96cc"/>
+    <OriginAsset xmlns="4873beb7-5857-4685-be1f-d57550cc96cc" xsi:nil="true"/>
+    <AssetStart xmlns="4873beb7-5857-4685-be1f-d57550cc96cc">2012-08-31T08:50:00+00:00</AssetStart>
+    <FriendlyTitle xmlns="4873beb7-5857-4685-be1f-d57550cc96cc" xsi:nil="true"/>
+    <MarketSpecific xmlns="4873beb7-5857-4685-be1f-d57550cc96cc">false</MarketSpecific>
+    <TPNamespace xmlns="4873beb7-5857-4685-be1f-d57550cc96cc" xsi:nil="true"/>
+    <PublishStatusLookup xmlns="4873beb7-5857-4685-be1f-d57550cc96cc">
+      <Value>1616423</Value>
+    </PublishStatusLookup>
+    <APAuthor xmlns="4873beb7-5857-4685-be1f-d57550cc96cc">
+      <UserInfo>
+        <DisplayName>REDMOND\kristaa</DisplayName>
+        <AccountId>136</AccountId>
+        <AccountType/>
+      </UserInfo>
+    </APAuthor>
+    <TPCommandLine xmlns="4873beb7-5857-4685-be1f-d57550cc96cc" xsi:nil="true"/>
+    <IntlLangReviewer xmlns="4873beb7-5857-4685-be1f-d57550cc96cc" xsi:nil="true"/>
+    <OpenTemplate xmlns="4873beb7-5857-4685-be1f-d57550cc96cc">true</OpenTemplate>
+    <CSXSubmissionDate xmlns="4873beb7-5857-4685-be1f-d57550cc96cc" xsi:nil="true"/>
+    <TaxCatchAll xmlns="4873beb7-5857-4685-be1f-d57550cc96cc"/>
+    <Manager xmlns="4873beb7-5857-4685-be1f-d57550cc96cc" xsi:nil="true"/>
+    <NumericId xmlns="4873beb7-5857-4685-be1f-d57550cc96cc" xsi:nil="true"/>
+    <ParentAssetId xmlns="4873beb7-5857-4685-be1f-d57550cc96cc" xsi:nil="true"/>
+    <OriginalSourceMarket xmlns="4873beb7-5857-4685-be1f-d57550cc96cc" xsi:nil="true"/>
+    <ApprovalStatus xmlns="4873beb7-5857-4685-be1f-d57550cc96cc">InProgress</ApprovalStatus>
+    <TPComponent xmlns="4873beb7-5857-4685-be1f-d57550cc96cc" xsi:nil="true"/>
+    <EditorialTags xmlns="4873beb7-5857-4685-be1f-d57550cc96cc" xsi:nil="true"/>
+    <TPExecutable xmlns="4873beb7-5857-4685-be1f-d57550cc96cc" xsi:nil="true"/>
+    <TPLaunchHelpLink xmlns="4873beb7-5857-4685-be1f-d57550cc96cc" xsi:nil="true"/>
+    <LocComments xmlns="4873beb7-5857-4685-be1f-d57550cc96cc" xsi:nil="true"/>
+    <LocRecommendedHandoff xmlns="4873beb7-5857-4685-be1f-d57550cc96cc" xsi:nil="true"/>
+    <SourceTitle xmlns="4873beb7-5857-4685-be1f-d57550cc96cc" xsi:nil="true"/>
+    <CSXUpdate xmlns="4873beb7-5857-4685-be1f-d57550cc96cc">false</CSXUpdate>
+    <IntlLocPriority xmlns="4873beb7-5857-4685-be1f-d57550cc96cc" xsi:nil="true"/>
+    <UAProjectedTotalWords xmlns="4873beb7-5857-4685-be1f-d57550cc96cc" xsi:nil="true"/>
+    <AssetType xmlns="4873beb7-5857-4685-be1f-d57550cc96cc">TP</AssetType>
+    <MachineTranslated xmlns="4873beb7-5857-4685-be1f-d57550cc96cc">false</MachineTranslated>
+    <OutputCachingOn xmlns="4873beb7-5857-4685-be1f-d57550cc96cc">false</OutputCachingOn>
+    <TemplateStatus xmlns="4873beb7-5857-4685-be1f-d57550cc96cc">Complete</TemplateStatus>
+    <IsSearchable xmlns="4873beb7-5857-4685-be1f-d57550cc96cc">true</IsSearchable>
+    <ContentItem xmlns="4873beb7-5857-4685-be1f-d57550cc96cc" xsi:nil="true"/>
+    <HandoffToMSDN xmlns="4873beb7-5857-4685-be1f-d57550cc96cc" xsi:nil="true"/>
+    <ShowIn xmlns="4873beb7-5857-4685-be1f-d57550cc96cc">Show everywhere</ShowIn>
+    <ThumbnailAssetId xmlns="4873beb7-5857-4685-be1f-d57550cc96cc" xsi:nil="true"/>
+    <UALocComments xmlns="4873beb7-5857-4685-be1f-d57550cc96cc" xsi:nil="true"/>
+    <UALocRecommendation xmlns="4873beb7-5857-4685-be1f-d57550cc96cc">Localize</UALocRecommendation>
+    <LastModifiedDateTime xmlns="4873beb7-5857-4685-be1f-d57550cc96cc" xsi:nil="true"/>
+    <LegacyData xmlns="4873beb7-5857-4685-be1f-d57550cc96cc" xsi:nil="true"/>
+    <LocManualTestRequired xmlns="4873beb7-5857-4685-be1f-d57550cc96cc">false</LocManualTestRequired>
+    <LocMarketGroupTiers2 xmlns="4873beb7-5857-4685-be1f-d57550cc96cc" xsi:nil="true"/>
+    <ClipArtFilename xmlns="4873beb7-5857-4685-be1f-d57550cc96cc" xsi:nil="true"/>
+    <TPApplication xmlns="4873beb7-5857-4685-be1f-d57550cc96cc" xsi:nil="true"/>
+    <CSXHash xmlns="4873beb7-5857-4685-be1f-d57550cc96cc" xsi:nil="true"/>
+    <DirectSourceMarket xmlns="4873beb7-5857-4685-be1f-d57550cc96cc" xsi:nil="true"/>
+    <PrimaryImageGen xmlns="4873beb7-5857-4685-be1f-d57550cc96cc">true</PrimaryImageGen>
+    <PlannedPubDate xmlns="4873beb7-5857-4685-be1f-d57550cc96cc" xsi:nil="true"/>
+    <CSXSubmissionMarket xmlns="4873beb7-5857-4685-be1f-d57550cc96cc" xsi:nil="true"/>
+    <Downloads xmlns="4873beb7-5857-4685-be1f-d57550cc96cc">0</Downloads>
+    <ArtSampleDocs xmlns="4873beb7-5857-4685-be1f-d57550cc96cc" xsi:nil="true"/>
+    <TrustLevel xmlns="4873beb7-5857-4685-be1f-d57550cc96cc">1 Microsoft Managed Content</TrustLevel>
+    <BlockPublish xmlns="4873beb7-5857-4685-be1f-d57550cc96cc">false</BlockPublish>
+    <TPLaunchHelpLinkType xmlns="4873beb7-5857-4685-be1f-d57550cc96cc">Template</TPLaunchHelpLinkType>
+    <LocalizationTagsTaxHTField0 xmlns="4873beb7-5857-4685-be1f-d57550cc96cc">
+      <Terms xmlns="http://schemas.microsoft.com/office/infopath/2007/PartnerControls"/>
+    </LocalizationTagsTaxHTField0>
+    <BusinessGroup xmlns="4873beb7-5857-4685-be1f-d57550cc96cc" xsi:nil="true"/>
+    <Providers xmlns="4873beb7-5857-4685-be1f-d57550cc96cc" xsi:nil="true"/>
+    <TemplateTemplateType xmlns="4873beb7-5857-4685-be1f-d57550cc96cc">PowerPoint Presentation Template</TemplateTemplateType>
+    <TimesCloned xmlns="4873beb7-5857-4685-be1f-d57550cc96cc" xsi:nil="true"/>
+    <TPAppVersion xmlns="4873beb7-5857-4685-be1f-d57550cc96cc" xsi:nil="true"/>
+    <VoteCount xmlns="4873beb7-5857-4685-be1f-d57550cc96cc" xsi:nil="true"/>
+    <AverageRating xmlns="4873beb7-5857-4685-be1f-d57550cc96cc" xsi:nil="true"/>
+    <FeatureTagsTaxHTField0 xmlns="4873beb7-5857-4685-be1f-d57550cc96cc">
+      <Terms xmlns="http://schemas.microsoft.com/office/infopath/2007/PartnerControls"/>
+    </FeatureTagsTaxHTField0>
+    <Provider xmlns="4873beb7-5857-4685-be1f-d57550cc96cc" xsi:nil="true"/>
+    <UACurrentWords xmlns="4873beb7-5857-4685-be1f-d57550cc96cc" xsi:nil="true"/>
+    <AssetId xmlns="4873beb7-5857-4685-be1f-d57550cc96cc">TP103431361</AssetId>
+    <TPClientViewer xmlns="4873beb7-5857-4685-be1f-d57550cc96cc" xsi:nil="true"/>
+    <DSATActionTaken xmlns="4873beb7-5857-4685-be1f-d57550cc96cc" xsi:nil="true"/>
+    <APEditor xmlns="4873beb7-5857-4685-be1f-d57550cc96cc">
+      <UserInfo>
+        <DisplayName/>
+        <AccountId xsi:nil="true"/>
+        <AccountType/>
+      </UserInfo>
+    </APEditor>
+    <TPInstallLocation xmlns="4873beb7-5857-4685-be1f-d57550cc96cc" xsi:nil="true"/>
+    <OOCacheId xmlns="4873beb7-5857-4685-be1f-d57550cc96cc" xsi:nil="true"/>
+    <IsDeleted xmlns="4873beb7-5857-4685-be1f-d57550cc96cc">false</IsDeleted>
+    <PublishTargets xmlns="4873beb7-5857-4685-be1f-d57550cc96cc">OfficeOnlineVNext</PublishTargets>
+    <ApprovalLog xmlns="4873beb7-5857-4685-be1f-d57550cc96cc" xsi:nil="true"/>
+    <BugNumber xmlns="4873beb7-5857-4685-be1f-d57550cc96cc" xsi:nil="true"/>
+    <CrawlForDependencies xmlns="4873beb7-5857-4685-be1f-d57550cc96cc">false</CrawlForDependencies>
+    <InternalTagsTaxHTField0 xmlns="4873beb7-5857-4685-be1f-d57550cc96cc">
+      <Terms xmlns="http://schemas.microsoft.com/office/infopath/2007/PartnerControls"/>
+    </InternalTagsTaxHTField0>
+    <LastHandOff xmlns="4873beb7-5857-4685-be1f-d57550cc96cc" xsi:nil="true"/>
+    <Milestone xmlns="4873beb7-5857-4685-be1f-d57550cc96cc" xsi:nil="true"/>
+    <OriginalRelease xmlns="4873beb7-5857-4685-be1f-d57550cc96cc">15</OriginalRelease>
+    <RecommendationsModifier xmlns="4873beb7-5857-4685-be1f-d57550cc96cc" xsi:nil="true"/>
+    <ScenarioTagsTaxHTField0 xmlns="4873beb7-5857-4685-be1f-d57550cc96cc">
+      <Terms xmlns="http://schemas.microsoft.com/office/infopath/2007/PartnerControls"/>
+    </ScenarioTagsTaxHTField0>
+    <UANotes xmlns="4873beb7-5857-4685-be1f-d57550cc96cc" xsi:nil="true"/>
+  </documentManagement>
+</p:properties>
 </file>
 
-<file path=customXml/itemProps3.xml><?xml version="1.0" encoding="utf-8"?>
+<file path=customXml/itemProps1.xml><?xml version="1.0" encoding="utf-8"?>
 <ds:datastoreItem xmlns:ds="http://schemas.openxmlformats.org/officeDocument/2006/customXml" ds:itemID="{28C8B9CA-0273-4370-889A-FC05DA5C2FA5}">
   <ds:schemaRefs>
     <ds:schemaRef ds:uri="http://schemas.microsoft.com/office/2006/metadata/contentType"/>
@@ -11373,4 +12351,28 @@
     <ds:schemaRef ds:uri="http://schemas.microsoft.com/internal/obd"/>
   </ds:schemaRefs>
 </ds:datastoreItem>
+</file>
+
+<file path=customXml/itemProps2.xml><?xml version="1.0" encoding="utf-8"?>
+<ds:datastoreItem xmlns:ds="http://schemas.openxmlformats.org/officeDocument/2006/customXml" ds:itemID="{561E720F-F05D-4536-9C34-0CFCED65D3B7}">
+  <ds:schemaRefs>
+    <ds:schemaRef ds:uri="http://schemas.microsoft.com/sharepoint/v3/contenttype/forms"/>
+  </ds:schemaRefs>
+</ds:datastoreItem>
+</file>
+
+<file path=customXml/itemProps3.xml><?xml version="1.0" encoding="utf-8"?>
+<ds:datastoreItem xmlns:ds="http://schemas.openxmlformats.org/officeDocument/2006/customXml" ds:itemID="{8CDDBB83-77C1-4099-A0AA-289882E745E2}">
+  <ds:schemaRefs>
+    <ds:schemaRef ds:uri="http://purl.org/dc/terms/"/>
+    <ds:schemaRef ds:uri="http://purl.org/dc/dcmitype/"/>
+    <ds:schemaRef ds:uri="http://www.w3.org/XML/1998/namespace"/>
+    <ds:schemaRef ds:uri="http://purl.org/dc/elements/1.1/"/>
+    <ds:schemaRef ds:uri="http://schemas.microsoft.com/office/infopath/2007/PartnerControls"/>
+    <ds:schemaRef ds:uri="http://schemas.microsoft.com/office/2006/documentManagement/types"/>
+    <ds:schemaRef ds:uri="http://schemas.openxmlformats.org/package/2006/metadata/core-properties"/>
+    <ds:schemaRef ds:uri="4873beb7-5857-4685-be1f-d57550cc96cc"/>
+    <ds:schemaRef ds:uri="http://schemas.microsoft.com/office/2006/metadata/properties"/>
+  </ds:schemaRefs>
+</ds:datastoreItem>
 </file>